--- a/public/downloads/writer/module01/M01Topic03.pptx
+++ b/public/downloads/writer/module01/M01Topic03.pptx
@@ -5,7 +5,7 @@
     <p:sldMasterId id="2147483658" r:id="rId1"/>
   </p:sldMasterIdLst>
   <p:notesMasterIdLst>
-    <p:notesMasterId r:id="rId12"/>
+    <p:notesMasterId r:id="rId11"/>
   </p:notesMasterIdLst>
   <p:sldIdLst>
     <p:sldId id="256" r:id="rId2"/>
@@ -16,19 +16,18 @@
     <p:sldId id="287" r:id="rId7"/>
     <p:sldId id="288" r:id="rId8"/>
     <p:sldId id="289" r:id="rId9"/>
-    <p:sldId id="290" r:id="rId10"/>
-    <p:sldId id="291" r:id="rId11"/>
+    <p:sldId id="291" r:id="rId10"/>
   </p:sldIdLst>
   <p:sldSz cx="9144000" cy="5143500" type="screen16x9"/>
   <p:notesSz cx="6858000" cy="9144000"/>
   <p:embeddedFontLst>
     <p:embeddedFont>
+      <p:font typeface="Patrick Hand SC" panose="020B0604020202020204" charset="0"/>
+      <p:regular r:id="rId12"/>
+    </p:embeddedFont>
+    <p:embeddedFont>
       <p:font typeface="Sniglet" panose="020B0604020202020204" charset="0"/>
       <p:regular r:id="rId13"/>
-    </p:embeddedFont>
-    <p:embeddedFont>
-      <p:font typeface="Patrick Hand SC" panose="020B0604020202020204" charset="0"/>
-      <p:regular r:id="rId14"/>
     </p:embeddedFont>
   </p:embeddedFontLst>
   <p:defaultTextStyle>
@@ -823,115 +822,6 @@
 </p:notes>
 </file>
 
-<file path=ppt/notesSlides/notesSlide10.xml><?xml version="1.0" encoding="utf-8"?>
-<p:notes xmlns:a="http://schemas.openxmlformats.org/drawingml/2006/main" xmlns:r="http://schemas.openxmlformats.org/officeDocument/2006/relationships" xmlns:p="http://schemas.openxmlformats.org/presentationml/2006/main" showMasterSp="0" showMasterPhAnim="0">
-  <p:cSld>
-    <p:spTree>
-      <p:nvGrpSpPr>
-        <p:cNvPr id="1" name="Shape 50"/>
-        <p:cNvGrpSpPr/>
-        <p:nvPr/>
-      </p:nvGrpSpPr>
-      <p:grpSpPr>
-        <a:xfrm>
-          <a:off x="0" y="0"/>
-          <a:ext cx="0" cy="0"/>
-          <a:chOff x="0" y="0"/>
-          <a:chExt cx="0" cy="0"/>
-        </a:xfrm>
-      </p:grpSpPr>
-      <p:sp>
-        <p:nvSpPr>
-          <p:cNvPr id="51" name="Google Shape;51;g3606f1c2d_30:notes"/>
-          <p:cNvSpPr>
-            <a:spLocks noGrp="1" noRot="1" noChangeAspect="1"/>
-          </p:cNvSpPr>
-          <p:nvPr>
-            <p:ph type="sldImg" idx="2"/>
-          </p:nvPr>
-        </p:nvSpPr>
-        <p:spPr>
-          <a:xfrm>
-            <a:off x="381000" y="685800"/>
-            <a:ext cx="6096000" cy="3429000"/>
-          </a:xfrm>
-          <a:custGeom>
-            <a:avLst/>
-            <a:gdLst/>
-            <a:ahLst/>
-            <a:cxnLst/>
-            <a:rect l="l" t="t" r="r" b="b"/>
-            <a:pathLst>
-              <a:path w="120000" h="120000" extrusionOk="0">
-                <a:moveTo>
-                  <a:pt x="0" y="0"/>
-                </a:moveTo>
-                <a:lnTo>
-                  <a:pt x="120000" y="0"/>
-                </a:lnTo>
-                <a:lnTo>
-                  <a:pt x="120000" y="120000"/>
-                </a:lnTo>
-                <a:lnTo>
-                  <a:pt x="0" y="120000"/>
-                </a:lnTo>
-                <a:close/>
-              </a:path>
-            </a:pathLst>
-          </a:custGeom>
-        </p:spPr>
-      </p:sp>
-      <p:sp>
-        <p:nvSpPr>
-          <p:cNvPr id="52" name="Google Shape;52;g3606f1c2d_30:notes"/>
-          <p:cNvSpPr txBox="1">
-            <a:spLocks noGrp="1"/>
-          </p:cNvSpPr>
-          <p:nvPr>
-            <p:ph type="body" idx="1"/>
-          </p:nvPr>
-        </p:nvSpPr>
-        <p:spPr>
-          <a:xfrm>
-            <a:off x="685800" y="4343400"/>
-            <a:ext cx="5486400" cy="4114800"/>
-          </a:xfrm>
-          <a:prstGeom prst="rect">
-            <a:avLst/>
-          </a:prstGeom>
-        </p:spPr>
-        <p:txBody>
-          <a:bodyPr spcFirstLastPara="1" wrap="square" lIns="91425" tIns="91425" rIns="91425" bIns="91425" anchor="t" anchorCtr="0">
-            <a:noAutofit/>
-          </a:bodyPr>
-          <a:lstStyle/>
-          <a:p>
-            <a:pPr marL="0" lvl="0" indent="0" algn="l" rtl="0">
-              <a:spcBef>
-                <a:spcPts val="0"/>
-              </a:spcBef>
-              <a:spcAft>
-                <a:spcPts val="0"/>
-              </a:spcAft>
-              <a:buNone/>
-            </a:pPr>
-            <a:endParaRPr/>
-          </a:p>
-        </p:txBody>
-      </p:sp>
-    </p:spTree>
-    <p:extLst>
-      <p:ext uri="{BB962C8B-B14F-4D97-AF65-F5344CB8AC3E}">
-        <p14:creationId xmlns:p14="http://schemas.microsoft.com/office/powerpoint/2010/main" val="2501499180"/>
-      </p:ext>
-    </p:extLst>
-  </p:cSld>
-  <p:clrMapOvr>
-    <a:masterClrMapping/>
-  </p:clrMapOvr>
-</p:notes>
-</file>
-
 <file path=ppt/notesSlides/notesSlide2.xml><?xml version="1.0" encoding="utf-8"?>
 <p:notes xmlns:a="http://schemas.openxmlformats.org/drawingml/2006/main" xmlns:r="http://schemas.openxmlformats.org/officeDocument/2006/relationships" xmlns:p="http://schemas.openxmlformats.org/presentationml/2006/main" showMasterSp="0" showMasterPhAnim="0">
   <p:cSld>
@@ -1794,7 +1684,7 @@
     </p:spTree>
     <p:extLst>
       <p:ext uri="{BB962C8B-B14F-4D97-AF65-F5344CB8AC3E}">
-        <p14:creationId xmlns:p14="http://schemas.microsoft.com/office/powerpoint/2010/main" val="1003744907"/>
+        <p14:creationId xmlns:p14="http://schemas.microsoft.com/office/powerpoint/2010/main" val="2501499180"/>
       </p:ext>
     </p:extLst>
   </p:cSld>
@@ -3900,388 +3790,6 @@
 </p:sld>
 </file>
 
-<file path=ppt/slides/slide10.xml><?xml version="1.0" encoding="utf-8"?>
-<p:sld xmlns:a="http://schemas.openxmlformats.org/drawingml/2006/main" xmlns:r="http://schemas.openxmlformats.org/officeDocument/2006/relationships" xmlns:p="http://schemas.openxmlformats.org/presentationml/2006/main">
-  <p:cSld>
-    <p:spTree>
-      <p:nvGrpSpPr>
-        <p:cNvPr id="1" name="Shape 53"/>
-        <p:cNvGrpSpPr/>
-        <p:nvPr/>
-      </p:nvGrpSpPr>
-      <p:grpSpPr>
-        <a:xfrm>
-          <a:off x="0" y="0"/>
-          <a:ext cx="0" cy="0"/>
-          <a:chOff x="0" y="0"/>
-          <a:chExt cx="0" cy="0"/>
-        </a:xfrm>
-      </p:grpSpPr>
-      <p:sp>
-        <p:nvSpPr>
-          <p:cNvPr id="54" name="Google Shape;54;p13"/>
-          <p:cNvSpPr txBox="1">
-            <a:spLocks noGrp="1"/>
-          </p:cNvSpPr>
-          <p:nvPr>
-            <p:ph type="title"/>
-          </p:nvPr>
-        </p:nvSpPr>
-        <p:spPr>
-          <a:xfrm>
-            <a:off x="1049500" y="521855"/>
-            <a:ext cx="7020900" cy="750300"/>
-          </a:xfrm>
-          <a:prstGeom prst="rect">
-            <a:avLst/>
-          </a:prstGeom>
-        </p:spPr>
-        <p:txBody>
-          <a:bodyPr spcFirstLastPara="1" wrap="square" lIns="91425" tIns="91425" rIns="91425" bIns="91425" anchor="t" anchorCtr="0">
-            <a:noAutofit/>
-          </a:bodyPr>
-          <a:lstStyle/>
-          <a:p>
-            <a:pPr marL="0" lvl="0" indent="0" algn="l" rtl="0">
-              <a:spcBef>
-                <a:spcPts val="0"/>
-              </a:spcBef>
-              <a:spcAft>
-                <a:spcPts val="0"/>
-              </a:spcAft>
-              <a:buNone/>
-            </a:pPr>
-            <a:r>
-              <a:rPr lang="en" dirty="0" smtClean="0"/>
-              <a:t>Buscar y reemplazar</a:t>
-            </a:r>
-            <a:endParaRPr dirty="0"/>
-          </a:p>
-        </p:txBody>
-      </p:sp>
-      <p:sp>
-        <p:nvSpPr>
-          <p:cNvPr id="55" name="Google Shape;55;p13"/>
-          <p:cNvSpPr txBox="1">
-            <a:spLocks noGrp="1"/>
-          </p:cNvSpPr>
-          <p:nvPr>
-            <p:ph type="body" idx="2"/>
-          </p:nvPr>
-        </p:nvSpPr>
-        <p:spPr>
-          <a:xfrm>
-            <a:off x="978380" y="1094615"/>
-            <a:ext cx="5280180" cy="724025"/>
-          </a:xfrm>
-          <a:prstGeom prst="rect">
-            <a:avLst/>
-          </a:prstGeom>
-        </p:spPr>
-        <p:txBody>
-          <a:bodyPr spcFirstLastPara="1" wrap="square" lIns="91425" tIns="91425" rIns="91425" bIns="91425" anchor="t" anchorCtr="0">
-            <a:noAutofit/>
-          </a:bodyPr>
-          <a:lstStyle/>
-          <a:p>
-            <a:pPr marL="0" lvl="0" indent="0">
-              <a:spcBef>
-                <a:spcPts val="0"/>
-              </a:spcBef>
-              <a:buSzPct val="100000"/>
-              <a:buNone/>
-            </a:pPr>
-            <a:r>
-              <a:rPr lang="es-MX" sz="1000" dirty="0" smtClean="0">
-                <a:solidFill>
-                  <a:schemeClr val="accent1"/>
-                </a:solidFill>
-              </a:rPr>
-              <a:t>Opciones de búsqueda</a:t>
-            </a:r>
-          </a:p>
-          <a:p>
-            <a:pPr marL="628650" lvl="1" indent="-171450">
-              <a:buSzPct val="100000"/>
-              <a:buFont typeface="Courier New" panose="02070309020205020404" pitchFamily="49" charset="0"/>
-              <a:buChar char="o"/>
-            </a:pPr>
-            <a:r>
-              <a:rPr lang="es-MX" sz="1000" dirty="0" smtClean="0"/>
-              <a:t>Desde </a:t>
-            </a:r>
-            <a:r>
-              <a:rPr lang="es-MX" sz="1000" dirty="0"/>
-              <a:t>el menú Editar &gt; </a:t>
-            </a:r>
-            <a:r>
-              <a:rPr lang="es-MX" sz="1000" dirty="0" smtClean="0"/>
-              <a:t>Buscar.</a:t>
-            </a:r>
-          </a:p>
-          <a:p>
-            <a:pPr marL="628650" lvl="1" indent="-171450">
-              <a:buSzPct val="100000"/>
-              <a:buFont typeface="Courier New" panose="02070309020205020404" pitchFamily="49" charset="0"/>
-              <a:buChar char="o"/>
-            </a:pPr>
-            <a:r>
-              <a:rPr lang="es-MX" sz="1000" dirty="0" smtClean="0"/>
-              <a:t>Desde </a:t>
-            </a:r>
-            <a:r>
-              <a:rPr lang="es-MX" sz="1000" dirty="0"/>
-              <a:t>el menú Ver &gt; Barras de herramientas &gt; </a:t>
-            </a:r>
-            <a:r>
-              <a:rPr lang="es-MX" sz="1000" dirty="0" smtClean="0"/>
-              <a:t>Buscar.</a:t>
-            </a:r>
-          </a:p>
-          <a:p>
-            <a:pPr marL="628650" lvl="1" indent="-171450">
-              <a:buSzPct val="100000"/>
-              <a:buFont typeface="Courier New" panose="02070309020205020404" pitchFamily="49" charset="0"/>
-              <a:buChar char="o"/>
-            </a:pPr>
-            <a:r>
-              <a:rPr lang="es-MX" sz="1000" dirty="0" smtClean="0"/>
-              <a:t>Con </a:t>
-            </a:r>
-            <a:r>
-              <a:rPr lang="es-MX" sz="1000" dirty="0"/>
-              <a:t>la combinación de teclas </a:t>
-            </a:r>
-            <a:r>
-              <a:rPr lang="es-MX" sz="1000" dirty="0" err="1"/>
-              <a:t>Ctrl+B</a:t>
-            </a:r>
-            <a:r>
-              <a:rPr lang="es-MX" sz="1000" dirty="0" smtClean="0"/>
-              <a:t>.</a:t>
-            </a:r>
-            <a:endParaRPr lang="es-MX" sz="1000" dirty="0"/>
-          </a:p>
-          <a:p>
-            <a:pPr marL="457200" lvl="1" indent="0">
-              <a:buSzPct val="100000"/>
-              <a:buNone/>
-            </a:pPr>
-            <a:endParaRPr lang="es-MX" sz="1000" dirty="0" smtClean="0"/>
-          </a:p>
-        </p:txBody>
-      </p:sp>
-      <p:sp>
-        <p:nvSpPr>
-          <p:cNvPr id="58" name="Google Shape;58;p13"/>
-          <p:cNvSpPr txBox="1">
-            <a:spLocks noGrp="1"/>
-          </p:cNvSpPr>
-          <p:nvPr>
-            <p:ph type="sldNum" idx="12"/>
-          </p:nvPr>
-        </p:nvSpPr>
-        <p:spPr>
-          <a:xfrm>
-            <a:off x="8595300" y="4839750"/>
-            <a:ext cx="548700" cy="303600"/>
-          </a:xfrm>
-          <a:prstGeom prst="rect">
-            <a:avLst/>
-          </a:prstGeom>
-        </p:spPr>
-        <p:txBody>
-          <a:bodyPr spcFirstLastPara="1" wrap="square" lIns="91425" tIns="91425" rIns="91425" bIns="91425" anchor="t" anchorCtr="0">
-            <a:noAutofit/>
-          </a:bodyPr>
-          <a:lstStyle/>
-          <a:p>
-            <a:pPr marL="0" lvl="0" indent="0" algn="r" rtl="0">
-              <a:spcBef>
-                <a:spcPts val="0"/>
-              </a:spcBef>
-              <a:spcAft>
-                <a:spcPts val="0"/>
-              </a:spcAft>
-              <a:buNone/>
-            </a:pPr>
-            <a:r>
-              <a:rPr lang="en" dirty="0" smtClean="0"/>
-              <a:t>9</a:t>
-            </a:r>
-            <a:endParaRPr dirty="0"/>
-          </a:p>
-        </p:txBody>
-      </p:sp>
-      <p:sp>
-        <p:nvSpPr>
-          <p:cNvPr id="5" name="Google Shape;55;p13"/>
-          <p:cNvSpPr txBox="1">
-            <a:spLocks noGrp="1"/>
-          </p:cNvSpPr>
-          <p:nvPr>
-            <p:ph type="body" idx="2"/>
-          </p:nvPr>
-        </p:nvSpPr>
-        <p:spPr>
-          <a:xfrm>
-            <a:off x="1049500" y="2230536"/>
-            <a:ext cx="3705380" cy="998293"/>
-          </a:xfrm>
-          <a:prstGeom prst="rect">
-            <a:avLst/>
-          </a:prstGeom>
-        </p:spPr>
-        <p:txBody>
-          <a:bodyPr spcFirstLastPara="1" wrap="square" lIns="91425" tIns="91425" rIns="91425" bIns="91425" anchor="t" anchorCtr="0">
-            <a:noAutofit/>
-          </a:bodyPr>
-          <a:lstStyle/>
-          <a:p>
-            <a:pPr marL="0" lvl="0" indent="0">
-              <a:spcBef>
-                <a:spcPts val="0"/>
-              </a:spcBef>
-              <a:buSzPct val="100000"/>
-              <a:buNone/>
-            </a:pPr>
-            <a:r>
-              <a:rPr lang="es-MX" sz="1000" dirty="0" smtClean="0">
-                <a:solidFill>
-                  <a:schemeClr val="accent1"/>
-                </a:solidFill>
-              </a:rPr>
-              <a:t>Buscar y reemplazar</a:t>
-            </a:r>
-          </a:p>
-          <a:p>
-            <a:pPr marL="628650" lvl="1" indent="-171450">
-              <a:buSzPct val="100000"/>
-              <a:buFont typeface="Courier New" panose="02070309020205020404" pitchFamily="49" charset="0"/>
-              <a:buChar char="o"/>
-            </a:pPr>
-            <a:r>
-              <a:rPr lang="es-MX" sz="1000" dirty="0"/>
-              <a:t>Desde el menú Editar &gt; Buscar y </a:t>
-            </a:r>
-            <a:r>
-              <a:rPr lang="es-MX" sz="1000" dirty="0" smtClean="0"/>
-              <a:t>reemplazar.</a:t>
-            </a:r>
-          </a:p>
-          <a:p>
-            <a:pPr marL="628650" lvl="1" indent="-171450">
-              <a:buSzPct val="100000"/>
-              <a:buFont typeface="Courier New" panose="02070309020205020404" pitchFamily="49" charset="0"/>
-              <a:buChar char="o"/>
-            </a:pPr>
-            <a:r>
-              <a:rPr lang="es-MX" sz="1000" dirty="0" smtClean="0"/>
-              <a:t>Con </a:t>
-            </a:r>
-            <a:r>
-              <a:rPr lang="es-MX" sz="1000" dirty="0"/>
-              <a:t>la combinación de teclas </a:t>
-            </a:r>
-            <a:r>
-              <a:rPr lang="es-MX" sz="1000" dirty="0" err="1"/>
-              <a:t>Ctrl+Alt</a:t>
-            </a:r>
-            <a:r>
-              <a:rPr lang="es-MX" sz="1000" dirty="0"/>
-              <a:t>+ B </a:t>
-            </a:r>
-            <a:r>
-              <a:rPr lang="es-MX" sz="1000" dirty="0" smtClean="0"/>
-              <a:t>.</a:t>
-            </a:r>
-          </a:p>
-          <a:p>
-            <a:pPr marL="628650" lvl="1" indent="-171450">
-              <a:buSzPct val="100000"/>
-              <a:buFont typeface="Courier New" panose="02070309020205020404" pitchFamily="49" charset="0"/>
-              <a:buChar char="o"/>
-            </a:pPr>
-            <a:r>
-              <a:rPr lang="es-MX" sz="1000" dirty="0" smtClean="0"/>
-              <a:t>Desde </a:t>
-            </a:r>
-            <a:r>
-              <a:rPr lang="es-MX" sz="1000" dirty="0"/>
-              <a:t>la barra de herramientas Buscar como acabamos de comprobar.</a:t>
-            </a:r>
-            <a:endParaRPr lang="es-MX" sz="1000" dirty="0" smtClean="0"/>
-          </a:p>
-        </p:txBody>
-      </p:sp>
-      <p:pic>
-        <p:nvPicPr>
-          <p:cNvPr id="2" name="Imagen 1"/>
-          <p:cNvPicPr>
-            <a:picLocks noChangeAspect="1"/>
-          </p:cNvPicPr>
-          <p:nvPr/>
-        </p:nvPicPr>
-        <p:blipFill>
-          <a:blip r:embed="rId3"/>
-          <a:stretch>
-            <a:fillRect/>
-          </a:stretch>
-        </p:blipFill>
-        <p:spPr>
-          <a:xfrm flipV="1">
-            <a:off x="1049500" y="1844915"/>
-            <a:ext cx="4958715" cy="199680"/>
-          </a:xfrm>
-          <a:prstGeom prst="rect">
-            <a:avLst/>
-          </a:prstGeom>
-        </p:spPr>
-      </p:pic>
-      <p:pic>
-        <p:nvPicPr>
-          <p:cNvPr id="3" name="Imagen 2"/>
-          <p:cNvPicPr>
-            <a:picLocks noChangeAspect="1"/>
-          </p:cNvPicPr>
-          <p:nvPr/>
-        </p:nvPicPr>
-        <p:blipFill>
-          <a:blip r:embed="rId4"/>
-          <a:stretch>
-            <a:fillRect/>
-          </a:stretch>
-        </p:blipFill>
-        <p:spPr>
-          <a:xfrm>
-            <a:off x="4905216" y="2230536"/>
-            <a:ext cx="2503487" cy="1685863"/>
-          </a:xfrm>
-          <a:prstGeom prst="rect">
-            <a:avLst/>
-          </a:prstGeom>
-        </p:spPr>
-      </p:pic>
-    </p:spTree>
-    <p:extLst>
-      <p:ext uri="{BB962C8B-B14F-4D97-AF65-F5344CB8AC3E}">
-        <p14:creationId xmlns:p14="http://schemas.microsoft.com/office/powerpoint/2010/main" val="3070466354"/>
-      </p:ext>
-    </p:extLst>
-  </p:cSld>
-  <p:clrMapOvr>
-    <a:masterClrMapping/>
-  </p:clrMapOvr>
-  <p:timing>
-    <p:tnLst>
-      <p:par>
-        <p:cTn id="1" dur="indefinite" restart="never" nodeType="tmRoot"/>
-      </p:par>
-    </p:tnLst>
-  </p:timing>
-</p:sld>
-</file>
-
 <file path=ppt/slides/slide2.xml><?xml version="1.0" encoding="utf-8"?>
 <p:sld xmlns:a="http://schemas.openxmlformats.org/drawingml/2006/main" xmlns:r="http://schemas.openxmlformats.org/officeDocument/2006/relationships" xmlns:p="http://schemas.openxmlformats.org/presentationml/2006/main">
   <p:cSld>
@@ -6620,7 +6128,7 @@
             </a:pPr>
             <a:r>
               <a:rPr lang="en" dirty="0" smtClean="0"/>
-              <a:t>El pegado especial</a:t>
+              <a:t>Buscar y reemplazar</a:t>
             </a:r>
             <a:endParaRPr dirty="0"/>
           </a:p>
@@ -6639,7 +6147,7 @@
         <p:spPr>
           <a:xfrm>
             <a:off x="978380" y="1094615"/>
-            <a:ext cx="5280180" cy="1526665"/>
+            <a:ext cx="5280180" cy="724025"/>
           </a:xfrm>
           <a:prstGeom prst="rect">
             <a:avLst/>
@@ -6651,116 +6159,90 @@
           </a:bodyPr>
           <a:lstStyle/>
           <a:p>
-            <a:pPr marL="171450" lvl="0" indent="-171450">
+            <a:pPr marL="0" lvl="0" indent="0">
               <a:spcBef>
                 <a:spcPts val="0"/>
               </a:spcBef>
               <a:buSzPct val="100000"/>
-              <a:buFont typeface="Wingdings" panose="05000000000000000000" pitchFamily="2" charset="2"/>
-              <a:buChar char="v"/>
-            </a:pPr>
+              <a:buNone/>
+            </a:pPr>
+            <a:r>
+              <a:rPr lang="es-MX" sz="1000" dirty="0" smtClean="0">
+                <a:solidFill>
+                  <a:schemeClr val="accent1"/>
+                </a:solidFill>
+              </a:rPr>
+              <a:t>Opciones de búsqueda</a:t>
+            </a:r>
+          </a:p>
+          <a:p>
+            <a:pPr marL="628650" lvl="1" indent="-171450">
+              <a:buSzPct val="100000"/>
+              <a:buFont typeface="Courier New" panose="02070309020205020404" pitchFamily="49" charset="0"/>
+              <a:buChar char="o"/>
+            </a:pPr>
+            <a:r>
+              <a:rPr lang="es-MX" sz="1000" dirty="0" smtClean="0"/>
+              <a:t>Desde </a:t>
+            </a:r>
             <a:r>
               <a:rPr lang="es-MX" sz="1000" dirty="0"/>
-              <a:t>El menú Editar &gt; Pegado especial.  En el diálogo emergente Pegado especial podemos seleccionar la opción Texto sin </a:t>
-            </a:r>
-            <a:r>
-              <a:rPr lang="es-MX" sz="1000" dirty="0" smtClean="0"/>
-              <a:t>formato.</a:t>
-            </a:r>
-          </a:p>
-          <a:p>
-            <a:pPr marL="171450" lvl="0" indent="-171450">
-              <a:spcBef>
-                <a:spcPts val="0"/>
-              </a:spcBef>
+              <a:t>el menú Editar &gt; </a:t>
+            </a:r>
+            <a:r>
+              <a:rPr lang="es-MX" sz="1000" dirty="0" smtClean="0"/>
+              <a:t>Buscar.</a:t>
+            </a:r>
+          </a:p>
+          <a:p>
+            <a:pPr marL="628650" lvl="1" indent="-171450">
               <a:buSzPct val="100000"/>
-              <a:buFont typeface="Wingdings" panose="05000000000000000000" pitchFamily="2" charset="2"/>
-              <a:buChar char="v"/>
-            </a:pPr>
-            <a:r>
-              <a:rPr lang="es-MX" sz="1000" dirty="0" smtClean="0"/>
-              <a:t>El </a:t>
+              <a:buFont typeface="Courier New" panose="02070309020205020404" pitchFamily="49" charset="0"/>
+              <a:buChar char="o"/>
+            </a:pPr>
+            <a:r>
+              <a:rPr lang="es-MX" sz="1000" dirty="0" smtClean="0"/>
+              <a:t>Desde </a:t>
             </a:r>
             <a:r>
               <a:rPr lang="es-MX" sz="1000" dirty="0"/>
-              <a:t>atajo de teclado </a:t>
+              <a:t>el menú Ver &gt; Barras de herramientas &gt; </a:t>
+            </a:r>
+            <a:r>
+              <a:rPr lang="es-MX" sz="1000" dirty="0" smtClean="0"/>
+              <a:t>Buscar.</a:t>
+            </a:r>
+          </a:p>
+          <a:p>
+            <a:pPr marL="628650" lvl="1" indent="-171450">
+              <a:buSzPct val="100000"/>
+              <a:buFont typeface="Courier New" panose="02070309020205020404" pitchFamily="49" charset="0"/>
+              <a:buChar char="o"/>
+            </a:pPr>
+            <a:r>
+              <a:rPr lang="es-MX" sz="1000" dirty="0" smtClean="0"/>
+              <a:t>Con </a:t>
+            </a:r>
+            <a:r>
+              <a:rPr lang="es-MX" sz="1000" dirty="0"/>
+              <a:t>la combinación de teclas </a:t>
             </a:r>
             <a:r>
               <a:rPr lang="es-MX" sz="1000" dirty="0" err="1"/>
-              <a:t>Ctrl+Mayús+V</a:t>
-            </a:r>
-            <a:r>
-              <a:rPr lang="es-MX" sz="1000" dirty="0"/>
-              <a:t>.  En el diálogo emergente Pegado especial podemos seleccionar la opción Texto sin </a:t>
-            </a:r>
-            <a:r>
-              <a:rPr lang="es-MX" sz="1000" dirty="0" smtClean="0"/>
-              <a:t>formato.</a:t>
-            </a:r>
-          </a:p>
-          <a:p>
-            <a:pPr marL="171450" lvl="0" indent="-171450">
-              <a:spcBef>
-                <a:spcPts val="0"/>
-              </a:spcBef>
+              <a:t>Ctrl+B</a:t>
+            </a:r>
+            <a:r>
+              <a:rPr lang="es-MX" sz="1000" dirty="0" smtClean="0"/>
+              <a:t>.</a:t>
+            </a:r>
+            <a:endParaRPr lang="es-MX" sz="1000" dirty="0"/>
+          </a:p>
+          <a:p>
+            <a:pPr marL="457200" lvl="1" indent="0">
               <a:buSzPct val="100000"/>
-              <a:buFont typeface="Wingdings" panose="05000000000000000000" pitchFamily="2" charset="2"/>
-              <a:buChar char="v"/>
-            </a:pPr>
-            <a:r>
-              <a:rPr lang="es-MX" sz="1000" dirty="0" smtClean="0"/>
-              <a:t>El </a:t>
-            </a:r>
-            <a:r>
-              <a:rPr lang="es-MX" sz="1000" dirty="0"/>
-              <a:t>menú Editar &gt; Pegar texto sin formato. </a:t>
-            </a:r>
+              <a:buNone/>
+            </a:pPr>
             <a:endParaRPr lang="es-MX" sz="1000" dirty="0" smtClean="0"/>
-          </a:p>
-          <a:p>
-            <a:pPr marL="171450" lvl="0" indent="-171450">
-              <a:spcBef>
-                <a:spcPts val="0"/>
-              </a:spcBef>
-              <a:buSzPct val="100000"/>
-              <a:buFont typeface="Wingdings" panose="05000000000000000000" pitchFamily="2" charset="2"/>
-              <a:buChar char="v"/>
-            </a:pPr>
-            <a:r>
-              <a:rPr lang="es-MX" sz="1000" dirty="0" smtClean="0"/>
-              <a:t>El </a:t>
-            </a:r>
-            <a:r>
-              <a:rPr lang="es-MX" sz="1000" dirty="0"/>
-              <a:t>atajo de teclado </a:t>
-            </a:r>
-            <a:r>
-              <a:rPr lang="es-MX" sz="1000" dirty="0" err="1" smtClean="0"/>
-              <a:t>Ctrl+Alt+Mayús+V</a:t>
-            </a:r>
-            <a:r>
-              <a:rPr lang="es-MX" sz="1000" dirty="0" smtClean="0"/>
-              <a:t>.</a:t>
-            </a:r>
-          </a:p>
-          <a:p>
-            <a:pPr marL="171450" lvl="0" indent="-171450">
-              <a:spcBef>
-                <a:spcPts val="0"/>
-              </a:spcBef>
-              <a:buSzPct val="100000"/>
-              <a:buFont typeface="Wingdings" panose="05000000000000000000" pitchFamily="2" charset="2"/>
-              <a:buChar char="v"/>
-            </a:pPr>
-            <a:r>
-              <a:rPr lang="es-MX" sz="1000" dirty="0" smtClean="0"/>
-              <a:t>Desde </a:t>
-            </a:r>
-            <a:r>
-              <a:rPr lang="es-MX" sz="1000" dirty="0"/>
-              <a:t>el botón Pegar de la barra de herramientas Estándar, pulsando sobre el triangulito desplegable y seleccionando la opción Texto sin formato</a:t>
-            </a:r>
-            <a:endParaRPr sz="1000" dirty="0"/>
           </a:p>
         </p:txBody>
       </p:sp>
@@ -6806,10 +6288,159 @@
           </a:p>
         </p:txBody>
       </p:sp>
+      <p:sp>
+        <p:nvSpPr>
+          <p:cNvPr id="5" name="Google Shape;55;p13"/>
+          <p:cNvSpPr txBox="1">
+            <a:spLocks noGrp="1"/>
+          </p:cNvSpPr>
+          <p:nvPr>
+            <p:ph type="body" idx="2"/>
+          </p:nvPr>
+        </p:nvSpPr>
+        <p:spPr>
+          <a:xfrm>
+            <a:off x="1049500" y="2230536"/>
+            <a:ext cx="3705380" cy="998293"/>
+          </a:xfrm>
+          <a:prstGeom prst="rect">
+            <a:avLst/>
+          </a:prstGeom>
+        </p:spPr>
+        <p:txBody>
+          <a:bodyPr spcFirstLastPara="1" wrap="square" lIns="91425" tIns="91425" rIns="91425" bIns="91425" anchor="t" anchorCtr="0">
+            <a:noAutofit/>
+          </a:bodyPr>
+          <a:lstStyle/>
+          <a:p>
+            <a:pPr marL="0" lvl="0" indent="0">
+              <a:spcBef>
+                <a:spcPts val="0"/>
+              </a:spcBef>
+              <a:buSzPct val="100000"/>
+              <a:buNone/>
+            </a:pPr>
+            <a:r>
+              <a:rPr lang="es-MX" sz="1000" dirty="0" smtClean="0">
+                <a:solidFill>
+                  <a:schemeClr val="accent1"/>
+                </a:solidFill>
+              </a:rPr>
+              <a:t>Buscar y reemplazar</a:t>
+            </a:r>
+          </a:p>
+          <a:p>
+            <a:pPr marL="628650" lvl="1" indent="-171450">
+              <a:buSzPct val="100000"/>
+              <a:buFont typeface="Courier New" panose="02070309020205020404" pitchFamily="49" charset="0"/>
+              <a:buChar char="o"/>
+            </a:pPr>
+            <a:r>
+              <a:rPr lang="es-MX" sz="1000" dirty="0"/>
+              <a:t>Desde el menú Editar &gt; Buscar y </a:t>
+            </a:r>
+            <a:r>
+              <a:rPr lang="es-MX" sz="1000" dirty="0" smtClean="0"/>
+              <a:t>reemplazar.</a:t>
+            </a:r>
+          </a:p>
+          <a:p>
+            <a:pPr marL="628650" lvl="1" indent="-171450">
+              <a:buSzPct val="100000"/>
+              <a:buFont typeface="Courier New" panose="02070309020205020404" pitchFamily="49" charset="0"/>
+              <a:buChar char="o"/>
+            </a:pPr>
+            <a:r>
+              <a:rPr lang="es-MX" sz="1000" dirty="0" smtClean="0"/>
+              <a:t>Con </a:t>
+            </a:r>
+            <a:r>
+              <a:rPr lang="es-MX" sz="1000" dirty="0"/>
+              <a:t>la combinación de teclas </a:t>
+            </a:r>
+            <a:r>
+              <a:rPr lang="es-MX" sz="1000" dirty="0" err="1"/>
+              <a:t>Ctrl+Alt</a:t>
+            </a:r>
+            <a:r>
+              <a:rPr lang="es-MX" sz="1000" dirty="0"/>
+              <a:t>+ B </a:t>
+            </a:r>
+            <a:r>
+              <a:rPr lang="es-MX" sz="1000" dirty="0" smtClean="0"/>
+              <a:t>.</a:t>
+            </a:r>
+          </a:p>
+          <a:p>
+            <a:pPr marL="628650" lvl="1" indent="-171450">
+              <a:buSzPct val="100000"/>
+              <a:buFont typeface="Courier New" panose="02070309020205020404" pitchFamily="49" charset="0"/>
+              <a:buChar char="o"/>
+            </a:pPr>
+            <a:r>
+              <a:rPr lang="es-MX" sz="1000" dirty="0" smtClean="0"/>
+              <a:t>Desde </a:t>
+            </a:r>
+            <a:r>
+              <a:rPr lang="es-MX" sz="1000" dirty="0"/>
+              <a:t>la barra de herramientas Buscar como acabamos de comprobar.</a:t>
+            </a:r>
+            <a:endParaRPr lang="es-MX" sz="1000" dirty="0" smtClean="0"/>
+          </a:p>
+        </p:txBody>
+      </p:sp>
+      <p:pic>
+        <p:nvPicPr>
+          <p:cNvPr id="2" name="Imagen 1"/>
+          <p:cNvPicPr>
+            <a:picLocks noChangeAspect="1"/>
+          </p:cNvPicPr>
+          <p:nvPr/>
+        </p:nvPicPr>
+        <p:blipFill>
+          <a:blip r:embed="rId3"/>
+          <a:stretch>
+            <a:fillRect/>
+          </a:stretch>
+        </p:blipFill>
+        <p:spPr>
+          <a:xfrm flipV="1">
+            <a:off x="1049500" y="1844915"/>
+            <a:ext cx="4958715" cy="199680"/>
+          </a:xfrm>
+          <a:prstGeom prst="rect">
+            <a:avLst/>
+          </a:prstGeom>
+        </p:spPr>
+      </p:pic>
+      <p:pic>
+        <p:nvPicPr>
+          <p:cNvPr id="3" name="Imagen 2"/>
+          <p:cNvPicPr>
+            <a:picLocks noChangeAspect="1"/>
+          </p:cNvPicPr>
+          <p:nvPr/>
+        </p:nvPicPr>
+        <p:blipFill>
+          <a:blip r:embed="rId4"/>
+          <a:stretch>
+            <a:fillRect/>
+          </a:stretch>
+        </p:blipFill>
+        <p:spPr>
+          <a:xfrm>
+            <a:off x="4905216" y="2230536"/>
+            <a:ext cx="2503487" cy="1685863"/>
+          </a:xfrm>
+          <a:prstGeom prst="rect">
+            <a:avLst/>
+          </a:prstGeom>
+        </p:spPr>
+      </p:pic>
     </p:spTree>
     <p:extLst>
       <p:ext uri="{BB962C8B-B14F-4D97-AF65-F5344CB8AC3E}">
-        <p14:creationId xmlns:p14="http://schemas.microsoft.com/office/powerpoint/2010/main" val="2377822189"/>
+        <p14:creationId xmlns:p14="http://schemas.microsoft.com/office/powerpoint/2010/main" val="3070466354"/>
       </p:ext>
     </p:extLst>
   </p:cSld>
